--- a/Presentation.pptx
+++ b/Presentation.pptx
@@ -107,6 +107,22 @@
       </a:defRPr>
     </a:lvl9pPr>
   </p:defaultTextStyle>
+  <p:extLst>
+    <p:ext uri="{EFAFB233-063F-42B5-8137-9DF3F51BA10A}">
+      <p15:sldGuideLst xmlns:p15="http://schemas.microsoft.com/office/powerpoint/2012/main">
+        <p15:guide id="1" orient="horz" pos="2880">
+          <p15:clr>
+            <a:srgbClr val="A4A3A4"/>
+          </p15:clr>
+        </p15:guide>
+        <p15:guide id="2" pos="2160">
+          <p15:clr>
+            <a:srgbClr val="A4A3A4"/>
+          </p15:clr>
+        </p15:guide>
+      </p15:sldGuideLst>
+    </p:ext>
+  </p:extLst>
 </p:presentation>
 </file>
 
@@ -365,7 +381,7 @@
           </a:lstStyle>
           <a:p>
             <a:fld id="{B6F15528-21DE-4FAA-801E-634DDDAF4B2B}" type="slidenum">
-              <a:t>‹N°›</a:t>
+              <a:t>‹#›</a:t>
             </a:fld>
             <a:endParaRPr/>
           </a:p>
@@ -536,7 +552,7 @@
           </a:lstStyle>
           <a:p>
             <a:fld id="{B6F15528-21DE-4FAA-801E-634DDDAF4B2B}" type="slidenum">
-              <a:t>‹N°›</a:t>
+              <a:t>‹#›</a:t>
             </a:fld>
             <a:endParaRPr/>
           </a:p>
@@ -750,7 +766,7 @@
           </a:lstStyle>
           <a:p>
             <a:fld id="{B6F15528-21DE-4FAA-801E-634DDDAF4B2B}" type="slidenum">
-              <a:t>‹N°›</a:t>
+              <a:t>‹#›</a:t>
             </a:fld>
             <a:endParaRPr/>
           </a:p>
@@ -898,7 +914,7 @@
           </a:lstStyle>
           <a:p>
             <a:fld id="{B6F15528-21DE-4FAA-801E-634DDDAF4B2B}" type="slidenum">
-              <a:t>‹N°›</a:t>
+              <a:t>‹#›</a:t>
             </a:fld>
             <a:endParaRPr/>
           </a:p>
@@ -1069,7 +1085,7 @@
           </a:lstStyle>
           <a:p>
             <a:fld id="{B6F15528-21DE-4FAA-801E-634DDDAF4B2B}" type="slidenum">
-              <a:t>‹N°›</a:t>
+              <a:t>‹#›</a:t>
             </a:fld>
             <a:endParaRPr/>
           </a:p>
@@ -1320,7 +1336,7 @@
           </a:lstStyle>
           <a:p>
             <a:fld id="{B6F15528-21DE-4FAA-801E-634DDDAF4B2B}" type="slidenum">
-              <a:t>‹N°›</a:t>
+              <a:t>‹#›</a:t>
             </a:fld>
             <a:endParaRPr/>
           </a:p>
@@ -5229,6 +5245,30 @@
           </a:prstGeom>
         </p:spPr>
       </p:pic>
+      <p:pic>
+        <p:nvPicPr>
+          <p:cNvPr id="5" name="Picture 4"/>
+          <p:cNvPicPr>
+            <a:picLocks noChangeAspect="1"/>
+          </p:cNvPicPr>
+          <p:nvPr/>
+        </p:nvPicPr>
+        <p:blipFill>
+          <a:blip r:embed="rId3"/>
+          <a:stretch>
+            <a:fillRect/>
+          </a:stretch>
+        </p:blipFill>
+        <p:spPr>
+          <a:xfrm>
+            <a:off x="741740" y="2044961"/>
+            <a:ext cx="14117259" cy="8234311"/>
+          </a:xfrm>
+          <a:prstGeom prst="rect">
+            <a:avLst/>
+          </a:prstGeom>
+        </p:spPr>
+      </p:pic>
     </p:spTree>
   </p:cSld>
   <p:clrMapOvr>
